--- a/Presentations/Python Tutorial Series 4 - A simple plot.pptx
+++ b/Presentations/Python Tutorial Series 4 - A simple plot.pptx
@@ -195,6 +195,80 @@
     </a:lvl9pPr>
   </p:defaultTextStyle>
   <p:extLst>
+    <p:ext uri="{521415D9-36F7-43E2-AB2F-B90AF26B5E84}">
+      <p14:sectionLst xmlns:p14="http://schemas.microsoft.com/office/powerpoint/2010/main">
+        <p14:section name="Default Section" id="{FAB22EC4-03E7-0A49-BF9B-671ED46304E4}">
+          <p14:sldIdLst>
+            <p14:sldId id="256"/>
+            <p14:sldId id="406"/>
+            <p14:sldId id="455"/>
+            <p14:sldId id="408"/>
+            <p14:sldId id="412"/>
+            <p14:sldId id="407"/>
+            <p14:sldId id="411"/>
+            <p14:sldId id="419"/>
+            <p14:sldId id="421"/>
+            <p14:sldId id="422"/>
+            <p14:sldId id="483"/>
+            <p14:sldId id="484"/>
+            <p14:sldId id="420"/>
+            <p14:sldId id="423"/>
+            <p14:sldId id="424"/>
+            <p14:sldId id="425"/>
+            <p14:sldId id="427"/>
+            <p14:sldId id="426"/>
+            <p14:sldId id="428"/>
+            <p14:sldId id="429"/>
+            <p14:sldId id="432"/>
+            <p14:sldId id="433"/>
+            <p14:sldId id="434"/>
+            <p14:sldId id="435"/>
+            <p14:sldId id="443"/>
+            <p14:sldId id="444"/>
+            <p14:sldId id="436"/>
+            <p14:sldId id="445"/>
+            <p14:sldId id="441"/>
+            <p14:sldId id="446"/>
+            <p14:sldId id="447"/>
+            <p14:sldId id="448"/>
+            <p14:sldId id="449"/>
+            <p14:sldId id="450"/>
+            <p14:sldId id="485"/>
+            <p14:sldId id="482"/>
+          </p14:sldIdLst>
+        </p14:section>
+        <p14:section name="Multiple Axes" id="{498FB967-6C55-B646-AA61-3352E349F0E6}">
+          <p14:sldIdLst>
+            <p14:sldId id="479"/>
+            <p14:sldId id="480"/>
+            <p14:sldId id="481"/>
+          </p14:sldIdLst>
+        </p14:section>
+        <p14:section name="Styles" id="{0F522C25-20FC-4941-ADEF-FB391CB2C81B}">
+          <p14:sldIdLst>
+            <p14:sldId id="457"/>
+            <p14:sldId id="465"/>
+            <p14:sldId id="466"/>
+            <p14:sldId id="468"/>
+            <p14:sldId id="469"/>
+            <p14:sldId id="470"/>
+            <p14:sldId id="471"/>
+            <p14:sldId id="472"/>
+            <p14:sldId id="473"/>
+          </p14:sldIdLst>
+        </p14:section>
+        <p14:section name="Colormaps" id="{DEB3FAD2-1696-504C-A03E-FC6BDA8A8CAA}">
+          <p14:sldIdLst>
+            <p14:sldId id="474"/>
+            <p14:sldId id="475"/>
+            <p14:sldId id="476"/>
+            <p14:sldId id="477"/>
+            <p14:sldId id="478"/>
+            <p14:sldId id="405"/>
+          </p14:sldIdLst>
+        </p14:section>
+      </p14:sectionLst>
+    </p:ext>
     <p:ext uri="{EFAFB233-063F-42B5-8137-9DF3F51BA10A}">
       <p15:sldGuideLst xmlns:p15="http://schemas.microsoft.com/office/powerpoint/2012/main">
         <p15:guide id="1" orient="horz" pos="2160">
